--- a/Patient Monitoring System.pptx
+++ b/Patient Monitoring System.pptx
@@ -12,6 +12,9 @@
     <p:sldId id="261" r:id="rId6"/>
     <p:sldId id="262" r:id="rId7"/>
     <p:sldId id="259" r:id="rId8"/>
+    <p:sldId id="264" r:id="rId9"/>
+    <p:sldId id="265" r:id="rId10"/>
+    <p:sldId id="263" r:id="rId11"/>
   </p:sldIdLst>
   <p:sldSz cx="12192000" cy="6858000"/>
   <p:notesSz cx="6858000" cy="9144000"/>
@@ -110,6 +113,11 @@
       </a:defRPr>
     </a:lvl9pPr>
   </p:defaultTextStyle>
+  <p:extLst>
+    <p:ext uri="{EFAFB233-063F-42B5-8137-9DF3F51BA10A}">
+      <p15:sldGuideLst xmlns:p15="http://schemas.microsoft.com/office/powerpoint/2012/main"/>
+    </p:ext>
+  </p:extLst>
 </p:presentation>
 </file>
 
@@ -303,7 +311,7 @@
           <a:p>
             <a:fld id="{A5A0BD7B-8E18-488F-8459-18B7BD52D5B6}" type="datetimeFigureOut">
               <a:rPr lang="en-US" smtClean="0"/>
-              <a:t>4/7/2016</a:t>
+              <a:t>4/8/2016</a:t>
             </a:fld>
             <a:endParaRPr lang="en-US"/>
           </a:p>
@@ -508,7 +516,7 @@
           <a:p>
             <a:fld id="{A5A0BD7B-8E18-488F-8459-18B7BD52D5B6}" type="datetimeFigureOut">
               <a:rPr lang="en-US" smtClean="0"/>
-              <a:t>4/7/2016</a:t>
+              <a:t>4/8/2016</a:t>
             </a:fld>
             <a:endParaRPr lang="en-US"/>
           </a:p>
@@ -688,7 +696,7 @@
           <a:p>
             <a:fld id="{A5A0BD7B-8E18-488F-8459-18B7BD52D5B6}" type="datetimeFigureOut">
               <a:rPr lang="en-US" smtClean="0"/>
-              <a:t>4/7/2016</a:t>
+              <a:t>4/8/2016</a:t>
             </a:fld>
             <a:endParaRPr lang="en-US"/>
           </a:p>
@@ -893,7 +901,7 @@
           <a:p>
             <a:fld id="{A5A0BD7B-8E18-488F-8459-18B7BD52D5B6}" type="datetimeFigureOut">
               <a:rPr lang="en-US" smtClean="0"/>
-              <a:t>4/7/2016</a:t>
+              <a:t>4/8/2016</a:t>
             </a:fld>
             <a:endParaRPr lang="en-US"/>
           </a:p>
@@ -1188,7 +1196,7 @@
           <a:p>
             <a:fld id="{A5A0BD7B-8E18-488F-8459-18B7BD52D5B6}" type="datetimeFigureOut">
               <a:rPr lang="en-US" smtClean="0"/>
-              <a:t>4/7/2016</a:t>
+              <a:t>4/8/2016</a:t>
             </a:fld>
             <a:endParaRPr lang="en-US"/>
           </a:p>
@@ -1460,7 +1468,7 @@
           <a:p>
             <a:fld id="{A5A0BD7B-8E18-488F-8459-18B7BD52D5B6}" type="datetimeFigureOut">
               <a:rPr lang="en-US" smtClean="0"/>
-              <a:t>4/7/2016</a:t>
+              <a:t>4/8/2016</a:t>
             </a:fld>
             <a:endParaRPr lang="en-US"/>
           </a:p>
@@ -1867,7 +1875,7 @@
           <a:p>
             <a:fld id="{A5A0BD7B-8E18-488F-8459-18B7BD52D5B6}" type="datetimeFigureOut">
               <a:rPr lang="en-US" smtClean="0"/>
-              <a:t>4/7/2016</a:t>
+              <a:t>4/8/2016</a:t>
             </a:fld>
             <a:endParaRPr lang="en-US"/>
           </a:p>
@@ -1985,7 +1993,7 @@
           <a:p>
             <a:fld id="{A5A0BD7B-8E18-488F-8459-18B7BD52D5B6}" type="datetimeFigureOut">
               <a:rPr lang="en-US" smtClean="0"/>
-              <a:t>4/7/2016</a:t>
+              <a:t>4/8/2016</a:t>
             </a:fld>
             <a:endParaRPr lang="en-US"/>
           </a:p>
@@ -2080,7 +2088,7 @@
           <a:p>
             <a:fld id="{A5A0BD7B-8E18-488F-8459-18B7BD52D5B6}" type="datetimeFigureOut">
               <a:rPr lang="en-US" smtClean="0"/>
-              <a:t>4/7/2016</a:t>
+              <a:t>4/8/2016</a:t>
             </a:fld>
             <a:endParaRPr lang="en-US"/>
           </a:p>
@@ -2370,7 +2378,7 @@
           <a:p>
             <a:fld id="{A5A0BD7B-8E18-488F-8459-18B7BD52D5B6}" type="datetimeFigureOut">
               <a:rPr lang="en-US" smtClean="0"/>
-              <a:t>4/7/2016</a:t>
+              <a:t>4/8/2016</a:t>
             </a:fld>
             <a:endParaRPr lang="en-US"/>
           </a:p>
@@ -2650,7 +2658,7 @@
           <a:p>
             <a:fld id="{A5A0BD7B-8E18-488F-8459-18B7BD52D5B6}" type="datetimeFigureOut">
               <a:rPr lang="en-US" smtClean="0"/>
-              <a:t>4/7/2016</a:t>
+              <a:t>4/8/2016</a:t>
             </a:fld>
             <a:endParaRPr lang="en-US"/>
           </a:p>
@@ -2900,7 +2908,7 @@
           <a:p>
             <a:fld id="{A5A0BD7B-8E18-488F-8459-18B7BD52D5B6}" type="datetimeFigureOut">
               <a:rPr lang="en-US" smtClean="0"/>
-              <a:t>4/7/2016</a:t>
+              <a:t>4/8/2016</a:t>
             </a:fld>
             <a:endParaRPr lang="en-US"/>
           </a:p>
@@ -3544,6 +3552,78 @@
 </p:sld>
 </file>
 
+<file path=ppt/slides/slide10.xml><?xml version="1.0" encoding="utf-8"?>
+<p:sld xmlns:a="http://schemas.openxmlformats.org/drawingml/2006/main" xmlns:r="http://schemas.openxmlformats.org/officeDocument/2006/relationships" xmlns:p="http://schemas.openxmlformats.org/presentationml/2006/main">
+  <p:cSld>
+    <p:spTree>
+      <p:nvGrpSpPr>
+        <p:cNvPr id="1" name=""/>
+        <p:cNvGrpSpPr/>
+        <p:nvPr/>
+      </p:nvGrpSpPr>
+      <p:grpSpPr>
+        <a:xfrm>
+          <a:off x="0" y="0"/>
+          <a:ext cx="0" cy="0"/>
+          <a:chOff x="0" y="0"/>
+          <a:chExt cx="0" cy="0"/>
+        </a:xfrm>
+      </p:grpSpPr>
+      <p:sp>
+        <p:nvSpPr>
+          <p:cNvPr id="2" name="Title 1"/>
+          <p:cNvSpPr>
+            <a:spLocks noGrp="1"/>
+          </p:cNvSpPr>
+          <p:nvPr>
+            <p:ph type="title"/>
+          </p:nvPr>
+        </p:nvSpPr>
+        <p:spPr/>
+        <p:txBody>
+          <a:bodyPr/>
+          <a:lstStyle/>
+          <a:p>
+            <a:r>
+              <a:rPr lang="en-CA" dirty="0" smtClean="0"/>
+              <a:t>FIN</a:t>
+            </a:r>
+            <a:endParaRPr lang="en-US" dirty="0"/>
+          </a:p>
+        </p:txBody>
+      </p:sp>
+    </p:spTree>
+    <p:extLst>
+      <p:ext uri="{BB962C8B-B14F-4D97-AF65-F5344CB8AC3E}">
+        <p14:creationId xmlns:p14="http://schemas.microsoft.com/office/powerpoint/2010/main" val="3655476701"/>
+      </p:ext>
+    </p:extLst>
+  </p:cSld>
+  <p:clrMapOvr>
+    <a:masterClrMapping/>
+  </p:clrMapOvr>
+  <mc:AlternateContent xmlns:mc="http://schemas.openxmlformats.org/markup-compatibility/2006">
+    <mc:Choice xmlns:p14="http://schemas.microsoft.com/office/powerpoint/2010/main" Requires="p14">
+      <p:transition spd="med" p14:dur="700">
+        <p:fade/>
+      </p:transition>
+    </mc:Choice>
+    <mc:Fallback>
+      <p:transition spd="med">
+        <p:fade/>
+      </p:transition>
+    </mc:Fallback>
+  </mc:AlternateContent>
+  <p:timing>
+    <p:tnLst>
+      <p:par>
+        <p:cTn id="1" dur="indefinite" restart="never" nodeType="tmRoot"/>
+      </p:par>
+    </p:tnLst>
+  </p:timing>
+</p:sld>
+</file>
+
 <file path=ppt/slides/slide2.xml><?xml version="1.0" encoding="utf-8"?>
 <p:sld xmlns:a="http://schemas.openxmlformats.org/drawingml/2006/main" xmlns:r="http://schemas.openxmlformats.org/officeDocument/2006/relationships" xmlns:p="http://schemas.openxmlformats.org/presentationml/2006/main">
   <p:cSld>
@@ -3624,9 +3704,18 @@
   <p:clrMapOvr>
     <a:masterClrMapping/>
   </p:clrMapOvr>
-  <p:transition spd="slow">
-    <p:push dir="u"/>
-  </p:transition>
+  <mc:AlternateContent xmlns:mc="http://schemas.openxmlformats.org/markup-compatibility/2006">
+    <mc:Choice xmlns:p14="http://schemas.microsoft.com/office/powerpoint/2010/main" Requires="p14">
+      <p:transition spd="slow" p14:dur="800">
+        <p14:flythrough/>
+      </p:transition>
+    </mc:Choice>
+    <mc:Fallback>
+      <p:transition spd="slow">
+        <p:fade/>
+      </p:transition>
+    </mc:Fallback>
+  </mc:AlternateContent>
   <p:timing>
     <p:tnLst>
       <p:par>
@@ -3716,6 +3805,18 @@
   <p:clrMapOvr>
     <a:masterClrMapping/>
   </p:clrMapOvr>
+  <mc:AlternateContent xmlns:mc="http://schemas.openxmlformats.org/markup-compatibility/2006">
+    <mc:Choice xmlns:p14="http://schemas.microsoft.com/office/powerpoint/2010/main" Requires="p14">
+      <p:transition spd="slow" p14:dur="800">
+        <p14:flythrough/>
+      </p:transition>
+    </mc:Choice>
+    <mc:Fallback>
+      <p:transition spd="slow">
+        <p:fade/>
+      </p:transition>
+    </mc:Fallback>
+  </mc:AlternateContent>
   <p:timing>
     <p:tnLst>
       <p:par>
@@ -3783,6 +3884,9 @@
   <p:clrMapOvr>
     <a:masterClrMapping/>
   </p:clrMapOvr>
+  <p:transition spd="slow">
+    <p:push dir="u"/>
+  </p:transition>
   <p:timing>
     <p:tnLst>
       <p:par>
@@ -3850,6 +3954,9 @@
   <p:clrMapOvr>
     <a:masterClrMapping/>
   </p:clrMapOvr>
+  <p:transition spd="slow">
+    <p:push dir="u"/>
+  </p:transition>
   <p:timing>
     <p:tnLst>
       <p:par>
@@ -3892,7 +3999,6 @@
           <a:bodyPr/>
           <a:lstStyle/>
           <a:p>
-            <a:pPr algn="ctr"/>
             <a:r>
               <a:rPr lang="en-CA" dirty="0" smtClean="0"/>
               <a:t>DEMO</a:t>
@@ -3937,6 +4043,18 @@
   <p:clrMapOvr>
     <a:masterClrMapping/>
   </p:clrMapOvr>
+  <mc:AlternateContent xmlns:mc="http://schemas.openxmlformats.org/markup-compatibility/2006">
+    <mc:Choice xmlns:p14="http://schemas.microsoft.com/office/powerpoint/2010/main" Requires="p14">
+      <p:transition spd="slow" p14:dur="800">
+        <p14:flythrough/>
+      </p:transition>
+    </mc:Choice>
+    <mc:Fallback>
+      <p:transition spd="slow">
+        <p:fade/>
+      </p:transition>
+    </mc:Fallback>
+  </mc:AlternateContent>
   <p:timing>
     <p:tnLst>
       <p:par>
@@ -3997,18 +4115,34 @@
             <p:ph idx="1"/>
           </p:nvPr>
         </p:nvSpPr>
-        <p:spPr/>
-        <p:txBody>
-          <a:bodyPr/>
+        <p:spPr>
+          <a:xfrm>
+            <a:off x="1024128" y="1738648"/>
+            <a:ext cx="9720071" cy="4570712"/>
+          </a:xfrm>
+        </p:spPr>
+        <p:txBody>
+          <a:bodyPr>
+            <a:normAutofit/>
+          </a:bodyPr>
           <a:lstStyle/>
           <a:p>
             <a:pPr marL="0" indent="0">
               <a:buNone/>
             </a:pPr>
             <a:r>
+              <a:rPr lang="en-CA" b="1" u="sng" dirty="0"/>
+              <a:t>Static </a:t>
+            </a:r>
+            <a:r>
+              <a:rPr lang="en-CA" b="1" u="sng" dirty="0" smtClean="0"/>
+              <a:t>Testing </a:t>
+            </a:r>
+            <a:r>
               <a:rPr lang="en-CA" dirty="0" smtClean="0"/>
-              <a:t>Verification and Validation</a:t>
-            </a:r>
+              <a:t>(done during design phase)</a:t>
+            </a:r>
+            <a:endParaRPr lang="en-CA" dirty="0"/>
           </a:p>
           <a:p>
             <a:pPr marL="0" indent="0">
@@ -4016,7 +4150,15 @@
             </a:pPr>
             <a:r>
               <a:rPr lang="en-CA" dirty="0" smtClean="0"/>
-              <a:t>Static Testing, Dynamic Testing</a:t>
+              <a:t>Software Quality Assurance: Verification </a:t>
+            </a:r>
+            <a:r>
+              <a:rPr lang="en-CA" dirty="0" smtClean="0"/>
+              <a:t>and </a:t>
+            </a:r>
+            <a:r>
+              <a:rPr lang="en-CA" dirty="0" smtClean="0"/>
+              <a:t>Validation</a:t>
             </a:r>
           </a:p>
           <a:p>
@@ -4025,8 +4167,36 @@
             </a:pPr>
             <a:r>
               <a:rPr lang="en-CA" dirty="0" smtClean="0"/>
-              <a:t>Test Cases</a:t>
-            </a:r>
+              <a:t>Requirements sourcing/traceability</a:t>
+            </a:r>
+          </a:p>
+          <a:p>
+            <a:pPr marL="0" indent="0">
+              <a:buNone/>
+            </a:pPr>
+            <a:r>
+              <a:rPr lang="en-CA" dirty="0"/>
+              <a:t>Does the software meet the needs of the client/users?</a:t>
+            </a:r>
+          </a:p>
+          <a:p>
+            <a:pPr marL="0" indent="0">
+              <a:buNone/>
+            </a:pPr>
+            <a:endParaRPr lang="en-CA" dirty="0" smtClean="0"/>
+          </a:p>
+          <a:p>
+            <a:pPr>
+              <a:buFontTx/>
+              <a:buChar char="-"/>
+            </a:pPr>
+            <a:endParaRPr lang="en-CA" dirty="0" smtClean="0"/>
+          </a:p>
+          <a:p>
+            <a:pPr>
+              <a:buFontTx/>
+              <a:buChar char="-"/>
+            </a:pPr>
             <a:endParaRPr lang="en-US" dirty="0"/>
           </a:p>
         </p:txBody>
@@ -4035,6 +4205,379 @@
     <p:extLst>
       <p:ext uri="{BB962C8B-B14F-4D97-AF65-F5344CB8AC3E}">
         <p14:creationId xmlns:p14="http://schemas.microsoft.com/office/powerpoint/2010/main" val="4124047964"/>
+      </p:ext>
+    </p:extLst>
+  </p:cSld>
+  <p:clrMapOvr>
+    <a:masterClrMapping/>
+  </p:clrMapOvr>
+  <mc:AlternateContent xmlns:mc="http://schemas.openxmlformats.org/markup-compatibility/2006">
+    <mc:Choice xmlns:p14="http://schemas.microsoft.com/office/powerpoint/2010/main" Requires="p14">
+      <p:transition spd="slow" p14:dur="800">
+        <p14:flythrough/>
+      </p:transition>
+    </mc:Choice>
+    <mc:Fallback>
+      <p:transition spd="slow">
+        <p:fade/>
+      </p:transition>
+    </mc:Fallback>
+  </mc:AlternateContent>
+  <p:timing>
+    <p:tnLst>
+      <p:par>
+        <p:cTn id="1" dur="indefinite" restart="never" nodeType="tmRoot"/>
+      </p:par>
+    </p:tnLst>
+  </p:timing>
+</p:sld>
+</file>
+
+<file path=ppt/slides/slide8.xml><?xml version="1.0" encoding="utf-8"?>
+<p:sld xmlns:a="http://schemas.openxmlformats.org/drawingml/2006/main" xmlns:r="http://schemas.openxmlformats.org/officeDocument/2006/relationships" xmlns:p="http://schemas.openxmlformats.org/presentationml/2006/main">
+  <p:cSld>
+    <p:spTree>
+      <p:nvGrpSpPr>
+        <p:cNvPr id="1" name=""/>
+        <p:cNvGrpSpPr/>
+        <p:nvPr/>
+      </p:nvGrpSpPr>
+      <p:grpSpPr>
+        <a:xfrm>
+          <a:off x="0" y="0"/>
+          <a:ext cx="0" cy="0"/>
+          <a:chOff x="0" y="0"/>
+          <a:chExt cx="0" cy="0"/>
+        </a:xfrm>
+      </p:grpSpPr>
+      <p:sp>
+        <p:nvSpPr>
+          <p:cNvPr id="3" name="Content Placeholder 2"/>
+          <p:cNvSpPr>
+            <a:spLocks noGrp="1"/>
+          </p:cNvSpPr>
+          <p:nvPr>
+            <p:ph idx="1"/>
+          </p:nvPr>
+        </p:nvSpPr>
+        <p:spPr>
+          <a:xfrm>
+            <a:off x="888642" y="2034862"/>
+            <a:ext cx="10740982" cy="4274498"/>
+          </a:xfrm>
+        </p:spPr>
+        <p:txBody>
+          <a:bodyPr>
+            <a:normAutofit/>
+          </a:bodyPr>
+          <a:lstStyle/>
+          <a:p>
+            <a:pPr marL="0" indent="0">
+              <a:buNone/>
+            </a:pPr>
+            <a:r>
+              <a:rPr lang="en-CA" b="1" u="sng" dirty="0"/>
+              <a:t>Dynamic Testing </a:t>
+            </a:r>
+            <a:r>
+              <a:rPr lang="en-CA" dirty="0"/>
+              <a:t>(done during implementation phase)</a:t>
+            </a:r>
+          </a:p>
+          <a:p>
+            <a:pPr marL="0" indent="0">
+              <a:buNone/>
+            </a:pPr>
+            <a:r>
+              <a:rPr lang="en-CA" dirty="0"/>
+              <a:t>Example Test Cases:</a:t>
+            </a:r>
+          </a:p>
+          <a:p>
+            <a:pPr>
+              <a:buFontTx/>
+              <a:buChar char="-"/>
+            </a:pPr>
+            <a:r>
+              <a:rPr lang="en-CA" b="1" dirty="0"/>
+              <a:t> UC #1-4: Display Vital Sign Data</a:t>
+            </a:r>
+            <a:r>
+              <a:rPr lang="en-CA" dirty="0"/>
+              <a:t>, making sure by inspection that the data placed on the graphs are realistic and reasonable values checking for any sporadic data points/anomalies.</a:t>
+            </a:r>
+          </a:p>
+          <a:p>
+            <a:pPr>
+              <a:buFontTx/>
+              <a:buChar char="-"/>
+            </a:pPr>
+            <a:r>
+              <a:rPr lang="en-US" dirty="0"/>
+              <a:t> </a:t>
+            </a:r>
+            <a:r>
+              <a:rPr lang="en-US" b="1" dirty="0"/>
+              <a:t>UC #5: Access Patient's Medical History</a:t>
+            </a:r>
+            <a:r>
+              <a:rPr lang="en-US" dirty="0" smtClean="0"/>
+              <a:t>: Tested by using the ‘open file’ option in the menu to see if a patient file can be accessed and displayed through the program.</a:t>
+            </a:r>
+            <a:endParaRPr lang="en-CA" dirty="0"/>
+          </a:p>
+          <a:p>
+            <a:pPr>
+              <a:buFontTx/>
+              <a:buChar char="-"/>
+            </a:pPr>
+            <a:r>
+              <a:rPr lang="en-US" dirty="0"/>
+              <a:t> </a:t>
+            </a:r>
+            <a:r>
+              <a:rPr lang="en-US" b="1" dirty="0"/>
+              <a:t>UC #6: User/Client Verification</a:t>
+            </a:r>
+            <a:r>
+              <a:rPr lang="en-US" dirty="0"/>
+              <a:t>, Checking the robustness of the login system by entering numerous iterations and combinations of usernames and passwords to expose any errors</a:t>
+            </a:r>
+            <a:r>
+              <a:rPr lang="en-US" dirty="0" smtClean="0"/>
+              <a:t>.</a:t>
+            </a:r>
+          </a:p>
+          <a:p>
+            <a:pPr>
+              <a:buFontTx/>
+              <a:buChar char="-"/>
+            </a:pPr>
+            <a:r>
+              <a:rPr lang="en-US" dirty="0" smtClean="0"/>
+              <a:t> </a:t>
+            </a:r>
+            <a:r>
+              <a:rPr lang="en-US" b="1" dirty="0" smtClean="0"/>
+              <a:t>UC </a:t>
+            </a:r>
+            <a:r>
+              <a:rPr lang="en-US" b="1" dirty="0"/>
+              <a:t>#8: Display </a:t>
+            </a:r>
+            <a:r>
+              <a:rPr lang="en-US" b="1" dirty="0" smtClean="0"/>
+              <a:t>Agenda</a:t>
+            </a:r>
+            <a:r>
+              <a:rPr lang="en-US" dirty="0" smtClean="0"/>
+              <a:t>, Iteratively adding multiple events to inspect overflow handling, and removing events to inspect robustness of implementation.</a:t>
+            </a:r>
+          </a:p>
+          <a:p>
+            <a:pPr>
+              <a:buFontTx/>
+              <a:buChar char="-"/>
+            </a:pPr>
+            <a:endParaRPr lang="en-US" dirty="0"/>
+          </a:p>
+        </p:txBody>
+      </p:sp>
+      <p:sp>
+        <p:nvSpPr>
+          <p:cNvPr id="6" name="Title 1"/>
+          <p:cNvSpPr>
+            <a:spLocks noGrp="1"/>
+          </p:cNvSpPr>
+          <p:nvPr>
+            <p:ph type="title"/>
+          </p:nvPr>
+        </p:nvSpPr>
+        <p:spPr>
+          <a:xfrm>
+            <a:off x="1024128" y="585216"/>
+            <a:ext cx="9720072" cy="1499616"/>
+          </a:xfrm>
+        </p:spPr>
+        <p:txBody>
+          <a:bodyPr/>
+          <a:lstStyle/>
+          <a:p>
+            <a:r>
+              <a:rPr lang="en-CA" dirty="0" smtClean="0"/>
+              <a:t>Test cases</a:t>
+            </a:r>
+            <a:endParaRPr lang="en-US" dirty="0"/>
+          </a:p>
+        </p:txBody>
+      </p:sp>
+    </p:spTree>
+    <p:extLst>
+      <p:ext uri="{BB962C8B-B14F-4D97-AF65-F5344CB8AC3E}">
+        <p14:creationId xmlns:p14="http://schemas.microsoft.com/office/powerpoint/2010/main" val="1589498198"/>
+      </p:ext>
+    </p:extLst>
+  </p:cSld>
+  <p:clrMapOvr>
+    <a:masterClrMapping/>
+  </p:clrMapOvr>
+  <p:timing>
+    <p:tnLst>
+      <p:par>
+        <p:cTn id="1" dur="indefinite" restart="never" nodeType="tmRoot"/>
+      </p:par>
+    </p:tnLst>
+  </p:timing>
+</p:sld>
+</file>
+
+<file path=ppt/slides/slide9.xml><?xml version="1.0" encoding="utf-8"?>
+<p:sld xmlns:a="http://schemas.openxmlformats.org/drawingml/2006/main" xmlns:r="http://schemas.openxmlformats.org/officeDocument/2006/relationships" xmlns:p="http://schemas.openxmlformats.org/presentationml/2006/main">
+  <p:cSld>
+    <p:spTree>
+      <p:nvGrpSpPr>
+        <p:cNvPr id="1" name=""/>
+        <p:cNvGrpSpPr/>
+        <p:nvPr/>
+      </p:nvGrpSpPr>
+      <p:grpSpPr>
+        <a:xfrm>
+          <a:off x="0" y="0"/>
+          <a:ext cx="0" cy="0"/>
+          <a:chOff x="0" y="0"/>
+          <a:chExt cx="0" cy="0"/>
+        </a:xfrm>
+      </p:grpSpPr>
+      <p:sp>
+        <p:nvSpPr>
+          <p:cNvPr id="2" name="Title 1"/>
+          <p:cNvSpPr>
+            <a:spLocks noGrp="1"/>
+          </p:cNvSpPr>
+          <p:nvPr>
+            <p:ph type="title"/>
+          </p:nvPr>
+        </p:nvSpPr>
+        <p:spPr/>
+        <p:txBody>
+          <a:bodyPr/>
+          <a:lstStyle/>
+          <a:p>
+            <a:r>
+              <a:rPr lang="en-CA" dirty="0" smtClean="0"/>
+              <a:t>Test Cases Cont’d</a:t>
+            </a:r>
+            <a:endParaRPr lang="en-US" dirty="0"/>
+          </a:p>
+        </p:txBody>
+      </p:sp>
+      <p:sp>
+        <p:nvSpPr>
+          <p:cNvPr id="3" name="Content Placeholder 2"/>
+          <p:cNvSpPr>
+            <a:spLocks noGrp="1"/>
+          </p:cNvSpPr>
+          <p:nvPr>
+            <p:ph idx="1"/>
+          </p:nvPr>
+        </p:nvSpPr>
+        <p:spPr>
+          <a:xfrm>
+            <a:off x="1024128" y="1931831"/>
+            <a:ext cx="9720071" cy="4572000"/>
+          </a:xfrm>
+        </p:spPr>
+        <p:txBody>
+          <a:bodyPr>
+            <a:normAutofit lnSpcReduction="10000"/>
+          </a:bodyPr>
+          <a:lstStyle/>
+          <a:p>
+            <a:pPr>
+              <a:buFontTx/>
+              <a:buChar char="-"/>
+            </a:pPr>
+            <a:r>
+              <a:rPr lang="en-US" dirty="0"/>
+              <a:t> </a:t>
+            </a:r>
+            <a:r>
+              <a:rPr lang="en-US" b="1" dirty="0"/>
+              <a:t>UC #9: Log Patient's Medical Data</a:t>
+            </a:r>
+            <a:r>
+              <a:rPr lang="en-US" dirty="0"/>
+              <a:t>, evaluating the validity of the data in the log file by inspecting the corresponding values for each Vital Sign and also to verify that the patient information and events have been properly recorded and logged.</a:t>
+            </a:r>
+          </a:p>
+          <a:p>
+            <a:pPr>
+              <a:buFontTx/>
+              <a:buChar char="-"/>
+            </a:pPr>
+            <a:r>
+              <a:rPr lang="en-US" b="1" dirty="0"/>
+              <a:t> UC #10: Display Warnings/Alerts, </a:t>
+            </a:r>
+            <a:r>
+              <a:rPr lang="en-US" dirty="0"/>
+              <a:t>Tested the structure and robustness of the warning system by simulating multiple cases, and changing the threshold values to see how the application/graphs responds.</a:t>
+            </a:r>
+          </a:p>
+          <a:p>
+            <a:pPr>
+              <a:buFontTx/>
+              <a:buChar char="-"/>
+            </a:pPr>
+            <a:r>
+              <a:rPr lang="en-US" b="1" dirty="0"/>
+              <a:t> UC #11: System Start-up and Re-Initialization Sequence, </a:t>
+            </a:r>
+            <a:r>
+              <a:rPr lang="en-US" dirty="0"/>
+              <a:t>Check performance of program and data repos by evaluating response time to inputs (start-up, changing values, patient information), and by inspecting how the program handles a re-initialization sequence with the previous patients data</a:t>
+            </a:r>
+            <a:r>
+              <a:rPr lang="en-US" dirty="0" smtClean="0"/>
+              <a:t>.</a:t>
+            </a:r>
+          </a:p>
+          <a:p>
+            <a:pPr>
+              <a:buFontTx/>
+              <a:buChar char="-"/>
+            </a:pPr>
+            <a:r>
+              <a:rPr lang="en-US" b="1" dirty="0"/>
+              <a:t>UC #12: Modifying Patient Warning/Alarm </a:t>
+            </a:r>
+            <a:r>
+              <a:rPr lang="en-US" b="1" dirty="0" smtClean="0"/>
+              <a:t>Thresholds, </a:t>
+            </a:r>
+            <a:r>
+              <a:rPr lang="en-US" dirty="0" smtClean="0"/>
+              <a:t>by iteration; modifying the threshold values and observing if the program adequately adapts the new thresholds and displays </a:t>
+            </a:r>
+            <a:r>
+              <a:rPr lang="en-US" smtClean="0"/>
+              <a:t>warnings if the </a:t>
+            </a:r>
+            <a:r>
+              <a:rPr lang="en-US" dirty="0" smtClean="0"/>
+              <a:t>new thresholds have been exceeded.</a:t>
+            </a:r>
+            <a:endParaRPr lang="en-US" dirty="0"/>
+          </a:p>
+          <a:p>
+            <a:endParaRPr lang="en-US" dirty="0"/>
+          </a:p>
+        </p:txBody>
+      </p:sp>
+    </p:spTree>
+    <p:extLst>
+      <p:ext uri="{BB962C8B-B14F-4D97-AF65-F5344CB8AC3E}">
+        <p14:creationId xmlns:p14="http://schemas.microsoft.com/office/powerpoint/2010/main" val="853291422"/>
       </p:ext>
     </p:extLst>
   </p:cSld>

--- a/Patient Monitoring System.pptx
+++ b/Patient Monitoring System.pptx
@@ -3532,6 +3532,36 @@
           </a:p>
         </p:txBody>
       </p:sp>
+      <p:pic>
+        <p:nvPicPr>
+          <p:cNvPr id="4" name="Picture 3"/>
+          <p:cNvPicPr>
+            <a:picLocks noChangeAspect="1"/>
+          </p:cNvPicPr>
+          <p:nvPr/>
+        </p:nvPicPr>
+        <p:blipFill>
+          <a:blip r:embed="rId2">
+            <a:extLst>
+              <a:ext uri="{28A0092B-C50C-407E-A947-70E740481C1C}">
+                <a14:useLocalDpi xmlns:a14="http://schemas.microsoft.com/office/drawing/2010/main" val="0"/>
+              </a:ext>
+            </a:extLst>
+          </a:blip>
+          <a:stretch>
+            <a:fillRect/>
+          </a:stretch>
+        </p:blipFill>
+        <p:spPr>
+          <a:xfrm>
+            <a:off x="0" y="0"/>
+            <a:ext cx="3266941" cy="3266941"/>
+          </a:xfrm>
+          <a:prstGeom prst="rect">
+            <a:avLst/>
+          </a:prstGeom>
+        </p:spPr>
+      </p:pic>
     </p:spTree>
     <p:extLst>
       <p:ext uri="{BB962C8B-B14F-4D97-AF65-F5344CB8AC3E}">
@@ -3592,6 +3622,65 @@
           </a:p>
         </p:txBody>
       </p:sp>
+      <p:pic>
+        <p:nvPicPr>
+          <p:cNvPr id="4" name="Picture 3"/>
+          <p:cNvPicPr>
+            <a:picLocks noChangeAspect="1"/>
+          </p:cNvPicPr>
+          <p:nvPr/>
+        </p:nvPicPr>
+        <p:blipFill>
+          <a:blip r:embed="rId2" cstate="print">
+            <a:extLst>
+              <a:ext uri="{28A0092B-C50C-407E-A947-70E740481C1C}">
+                <a14:useLocalDpi xmlns:a14="http://schemas.microsoft.com/office/drawing/2010/main" val="0"/>
+              </a:ext>
+            </a:extLst>
+          </a:blip>
+          <a:stretch>
+            <a:fillRect/>
+          </a:stretch>
+        </p:blipFill>
+        <p:spPr>
+          <a:xfrm>
+            <a:off x="10098926" y="4584879"/>
+            <a:ext cx="2093074" cy="2093074"/>
+          </a:xfrm>
+          <a:prstGeom prst="rect">
+            <a:avLst/>
+          </a:prstGeom>
+        </p:spPr>
+      </p:pic>
+      <p:sp>
+        <p:nvSpPr>
+          <p:cNvPr id="5" name="Content Placeholder 2"/>
+          <p:cNvSpPr>
+            <a:spLocks noGrp="1"/>
+          </p:cNvSpPr>
+          <p:nvPr>
+            <p:ph idx="1"/>
+          </p:nvPr>
+        </p:nvSpPr>
+        <p:spPr>
+          <a:xfrm>
+            <a:off x="1024128" y="1738648"/>
+            <a:ext cx="9720071" cy="4570712"/>
+          </a:xfrm>
+        </p:spPr>
+        <p:txBody>
+          <a:bodyPr>
+            <a:normAutofit/>
+          </a:bodyPr>
+          <a:lstStyle/>
+          <a:p>
+            <a:pPr marL="0" indent="0">
+              <a:buNone/>
+            </a:pPr>
+            <a:endParaRPr lang="en-US" dirty="0"/>
+          </a:p>
+        </p:txBody>
+      </p:sp>
     </p:spTree>
     <p:extLst>
       <p:ext uri="{BB962C8B-B14F-4D97-AF65-F5344CB8AC3E}">
@@ -3602,14 +3691,14 @@
   <p:clrMapOvr>
     <a:masterClrMapping/>
   </p:clrMapOvr>
-  <mc:AlternateContent xmlns:mc="http://schemas.openxmlformats.org/markup-compatibility/2006">
-    <mc:Choice xmlns:p14="http://schemas.microsoft.com/office/powerpoint/2010/main" Requires="p14">
-      <p:transition spd="med" p14:dur="700">
-        <p:fade/>
+  <mc:AlternateContent xmlns:mc="http://schemas.openxmlformats.org/markup-compatibility/2006" xmlns:p14="http://schemas.microsoft.com/office/powerpoint/2010/main">
+    <mc:Choice Requires="p14">
+      <p:transition spd="slow" p14:dur="800">
+        <p14:flythrough/>
       </p:transition>
     </mc:Choice>
-    <mc:Fallback>
-      <p:transition spd="med">
+    <mc:Fallback xmlns="">
+      <p:transition spd="slow">
         <p:fade/>
       </p:transition>
     </mc:Fallback>
@@ -3694,6 +3783,36 @@
           </a:p>
         </p:txBody>
       </p:sp>
+      <p:pic>
+        <p:nvPicPr>
+          <p:cNvPr id="4" name="Picture 3"/>
+          <p:cNvPicPr>
+            <a:picLocks noChangeAspect="1"/>
+          </p:cNvPicPr>
+          <p:nvPr/>
+        </p:nvPicPr>
+        <p:blipFill>
+          <a:blip r:embed="rId2" cstate="print">
+            <a:extLst>
+              <a:ext uri="{28A0092B-C50C-407E-A947-70E740481C1C}">
+                <a14:useLocalDpi xmlns:a14="http://schemas.microsoft.com/office/drawing/2010/main" val="0"/>
+              </a:ext>
+            </a:extLst>
+          </a:blip>
+          <a:stretch>
+            <a:fillRect/>
+          </a:stretch>
+        </p:blipFill>
+        <p:spPr>
+          <a:xfrm>
+            <a:off x="10098926" y="4584879"/>
+            <a:ext cx="2093074" cy="2093074"/>
+          </a:xfrm>
+          <a:prstGeom prst="rect">
+            <a:avLst/>
+          </a:prstGeom>
+        </p:spPr>
+      </p:pic>
     </p:spTree>
     <p:extLst>
       <p:ext uri="{BB962C8B-B14F-4D97-AF65-F5344CB8AC3E}">
@@ -3704,13 +3823,13 @@
   <p:clrMapOvr>
     <a:masterClrMapping/>
   </p:clrMapOvr>
-  <mc:AlternateContent xmlns:mc="http://schemas.openxmlformats.org/markup-compatibility/2006">
-    <mc:Choice xmlns:p14="http://schemas.microsoft.com/office/powerpoint/2010/main" Requires="p14">
+  <mc:AlternateContent xmlns:mc="http://schemas.openxmlformats.org/markup-compatibility/2006" xmlns:p14="http://schemas.microsoft.com/office/powerpoint/2010/main">
+    <mc:Choice Requires="p14">
       <p:transition spd="slow" p14:dur="800">
         <p14:flythrough/>
       </p:transition>
     </mc:Choice>
-    <mc:Fallback>
+    <mc:Fallback xmlns="">
       <p:transition spd="slow">
         <p:fade/>
       </p:transition>
@@ -3795,6 +3914,36 @@
           </a:p>
         </p:txBody>
       </p:sp>
+      <p:pic>
+        <p:nvPicPr>
+          <p:cNvPr id="5" name="Picture 4"/>
+          <p:cNvPicPr>
+            <a:picLocks noChangeAspect="1"/>
+          </p:cNvPicPr>
+          <p:nvPr/>
+        </p:nvPicPr>
+        <p:blipFill>
+          <a:blip r:embed="rId2" cstate="print">
+            <a:extLst>
+              <a:ext uri="{28A0092B-C50C-407E-A947-70E740481C1C}">
+                <a14:useLocalDpi xmlns:a14="http://schemas.microsoft.com/office/drawing/2010/main" val="0"/>
+              </a:ext>
+            </a:extLst>
+          </a:blip>
+          <a:stretch>
+            <a:fillRect/>
+          </a:stretch>
+        </p:blipFill>
+        <p:spPr>
+          <a:xfrm>
+            <a:off x="10098926" y="4610379"/>
+            <a:ext cx="2093074" cy="2093074"/>
+          </a:xfrm>
+          <a:prstGeom prst="rect">
+            <a:avLst/>
+          </a:prstGeom>
+        </p:spPr>
+      </p:pic>
     </p:spTree>
     <p:extLst>
       <p:ext uri="{BB962C8B-B14F-4D97-AF65-F5344CB8AC3E}">
@@ -3805,13 +3954,13 @@
   <p:clrMapOvr>
     <a:masterClrMapping/>
   </p:clrMapOvr>
-  <mc:AlternateContent xmlns:mc="http://schemas.openxmlformats.org/markup-compatibility/2006">
-    <mc:Choice xmlns:p14="http://schemas.microsoft.com/office/powerpoint/2010/main" Requires="p14">
+  <mc:AlternateContent xmlns:mc="http://schemas.openxmlformats.org/markup-compatibility/2006" xmlns:p14="http://schemas.microsoft.com/office/powerpoint/2010/main">
+    <mc:Choice Requires="p14">
       <p:transition spd="slow" p14:dur="800">
         <p14:flythrough/>
       </p:transition>
     </mc:Choice>
-    <mc:Fallback>
+    <mc:Fallback xmlns="">
       <p:transition spd="slow">
         <p:fade/>
       </p:transition>
@@ -4022,7 +4171,6 @@
           <a:bodyPr/>
           <a:lstStyle/>
           <a:p>
-            <a:pPr algn="ctr"/>
             <a:r>
               <a:rPr lang="en-US" dirty="0" smtClean="0">
                 <a:hlinkClick r:id="rId2" action="ppaction://hlinkfile"/>
@@ -4033,6 +4181,36 @@
           </a:p>
         </p:txBody>
       </p:sp>
+      <p:pic>
+        <p:nvPicPr>
+          <p:cNvPr id="5" name="Picture 4"/>
+          <p:cNvPicPr>
+            <a:picLocks noChangeAspect="1"/>
+          </p:cNvPicPr>
+          <p:nvPr/>
+        </p:nvPicPr>
+        <p:blipFill>
+          <a:blip r:embed="rId3" cstate="print">
+            <a:extLst>
+              <a:ext uri="{28A0092B-C50C-407E-A947-70E740481C1C}">
+                <a14:useLocalDpi xmlns:a14="http://schemas.microsoft.com/office/drawing/2010/main" val="0"/>
+              </a:ext>
+            </a:extLst>
+          </a:blip>
+          <a:stretch>
+            <a:fillRect/>
+          </a:stretch>
+        </p:blipFill>
+        <p:spPr>
+          <a:xfrm>
+            <a:off x="10098926" y="4584879"/>
+            <a:ext cx="2093074" cy="2093074"/>
+          </a:xfrm>
+          <a:prstGeom prst="rect">
+            <a:avLst/>
+          </a:prstGeom>
+        </p:spPr>
+      </p:pic>
     </p:spTree>
     <p:extLst>
       <p:ext uri="{BB962C8B-B14F-4D97-AF65-F5344CB8AC3E}">
@@ -4043,13 +4221,13 @@
   <p:clrMapOvr>
     <a:masterClrMapping/>
   </p:clrMapOvr>
-  <mc:AlternateContent xmlns:mc="http://schemas.openxmlformats.org/markup-compatibility/2006">
-    <mc:Choice xmlns:p14="http://schemas.microsoft.com/office/powerpoint/2010/main" Requires="p14">
+  <mc:AlternateContent xmlns:mc="http://schemas.openxmlformats.org/markup-compatibility/2006" xmlns:p14="http://schemas.microsoft.com/office/powerpoint/2010/main">
+    <mc:Choice Requires="p14">
       <p:transition spd="slow" p14:dur="800">
         <p14:flythrough/>
       </p:transition>
     </mc:Choice>
-    <mc:Fallback>
+    <mc:Fallback xmlns="">
       <p:transition spd="slow">
         <p:fade/>
       </p:transition>
@@ -4150,15 +4328,15 @@
             </a:pPr>
             <a:r>
               <a:rPr lang="en-CA" dirty="0" smtClean="0"/>
-              <a:t>Software Quality Assurance: Verification </a:t>
+              <a:t>Software </a:t>
             </a:r>
             <a:r>
               <a:rPr lang="en-CA" dirty="0" smtClean="0"/>
-              <a:t>and </a:t>
+              <a:t>Quality Assurance: Verification and </a:t>
             </a:r>
             <a:r>
               <a:rPr lang="en-CA" dirty="0" smtClean="0"/>
-              <a:t>Validation</a:t>
+              <a:t>Validation (V&amp;V)</a:t>
             </a:r>
           </a:p>
           <a:p>
@@ -4167,16 +4345,48 @@
             </a:pPr>
             <a:r>
               <a:rPr lang="en-CA" dirty="0" smtClean="0"/>
-              <a:t>Requirements sourcing/traceability</a:t>
-            </a:r>
+              <a:t>Static Verification: </a:t>
+            </a:r>
+            <a:r>
+              <a:rPr lang="en-CA" dirty="0" smtClean="0"/>
+              <a:t>Requirements (Functional/Non-</a:t>
+            </a:r>
+            <a:r>
+              <a:rPr lang="en-CA" dirty="0" smtClean="0"/>
+              <a:t>Functional) </a:t>
+            </a:r>
+            <a:r>
+              <a:rPr lang="en-CA" dirty="0" smtClean="0"/>
+              <a:t>sourcing/traceability</a:t>
+            </a:r>
+            <a:endParaRPr lang="en-CA" dirty="0" smtClean="0"/>
           </a:p>
           <a:p>
             <a:pPr marL="0" indent="0">
               <a:buNone/>
             </a:pPr>
+            <a:endParaRPr lang="en-CA" dirty="0" smtClean="0"/>
+          </a:p>
+          <a:p>
+            <a:pPr marL="0" indent="0">
+              <a:buNone/>
+            </a:pPr>
+            <a:r>
+              <a:rPr lang="en-CA" dirty="0" smtClean="0"/>
+              <a:t>Validation: Did we build the right product?</a:t>
+            </a:r>
+          </a:p>
+          <a:p>
+            <a:pPr marL="0" indent="0">
+              <a:buNone/>
+            </a:pPr>
+            <a:r>
+              <a:rPr lang="en-CA" dirty="0" smtClean="0"/>
+              <a:t>Does </a:t>
+            </a:r>
             <a:r>
               <a:rPr lang="en-CA" dirty="0"/>
-              <a:t>Does the software meet the needs of the client/users?</a:t>
+              <a:t>the software meet the needs of the client/users?</a:t>
             </a:r>
           </a:p>
           <a:p>
@@ -4201,6 +4411,36 @@
           </a:p>
         </p:txBody>
       </p:sp>
+      <p:pic>
+        <p:nvPicPr>
+          <p:cNvPr id="5" name="Picture 4"/>
+          <p:cNvPicPr>
+            <a:picLocks noChangeAspect="1"/>
+          </p:cNvPicPr>
+          <p:nvPr/>
+        </p:nvPicPr>
+        <p:blipFill>
+          <a:blip r:embed="rId2" cstate="print">
+            <a:extLst>
+              <a:ext uri="{28A0092B-C50C-407E-A947-70E740481C1C}">
+                <a14:useLocalDpi xmlns:a14="http://schemas.microsoft.com/office/drawing/2010/main" val="0"/>
+              </a:ext>
+            </a:extLst>
+          </a:blip>
+          <a:stretch>
+            <a:fillRect/>
+          </a:stretch>
+        </p:blipFill>
+        <p:spPr>
+          <a:xfrm>
+            <a:off x="10098926" y="4584879"/>
+            <a:ext cx="2093074" cy="2093074"/>
+          </a:xfrm>
+          <a:prstGeom prst="rect">
+            <a:avLst/>
+          </a:prstGeom>
+        </p:spPr>
+      </p:pic>
     </p:spTree>
     <p:extLst>
       <p:ext uri="{BB962C8B-B14F-4D97-AF65-F5344CB8AC3E}">
@@ -4211,13 +4451,13 @@
   <p:clrMapOvr>
     <a:masterClrMapping/>
   </p:clrMapOvr>
-  <mc:AlternateContent xmlns:mc="http://schemas.openxmlformats.org/markup-compatibility/2006">
-    <mc:Choice xmlns:p14="http://schemas.microsoft.com/office/powerpoint/2010/main" Requires="p14">
+  <mc:AlternateContent xmlns:mc="http://schemas.openxmlformats.org/markup-compatibility/2006" xmlns:p14="http://schemas.microsoft.com/office/powerpoint/2010/main">
+    <mc:Choice Requires="p14">
       <p:transition spd="slow" p14:dur="800">
         <p14:flythrough/>
       </p:transition>
     </mc:Choice>
-    <mc:Fallback>
+    <mc:Fallback xmlns="">
       <p:transition spd="slow">
         <p:fade/>
       </p:transition>
@@ -4277,7 +4517,11 @@
             </a:pPr>
             <a:r>
               <a:rPr lang="en-CA" b="1" u="sng" dirty="0"/>
-              <a:t>Dynamic Testing </a:t>
+              <a:t>Dynamic </a:t>
+            </a:r>
+            <a:r>
+              <a:rPr lang="en-CA" b="1" u="sng" dirty="0" smtClean="0"/>
+              <a:t>Testing/Verification </a:t>
             </a:r>
             <a:r>
               <a:rPr lang="en-CA" dirty="0"/>
@@ -4304,7 +4548,15 @@
             </a:r>
             <a:r>
               <a:rPr lang="en-CA" dirty="0"/>
-              <a:t>, making sure by inspection that the data placed on the graphs are realistic and reasonable values checking for any sporadic data points/anomalies.</a:t>
+              <a:t>, </a:t>
+            </a:r>
+            <a:r>
+              <a:rPr lang="en-CA" dirty="0" smtClean="0"/>
+              <a:t>The data </a:t>
+            </a:r>
+            <a:r>
+              <a:rPr lang="en-CA" dirty="0"/>
+              <a:t>placed on the graphs are realistic and reasonable values checking for any sporadic data points/anomalies.</a:t>
             </a:r>
           </a:p>
           <a:p>
@@ -4322,7 +4574,23 @@
             </a:r>
             <a:r>
               <a:rPr lang="en-US" dirty="0" smtClean="0"/>
-              <a:t>: Tested by using the ‘open file’ option in the menu to see if a patient file can be accessed and displayed through the program.</a:t>
+              <a:t>: </a:t>
+            </a:r>
+            <a:r>
+              <a:rPr lang="en-US" dirty="0" smtClean="0"/>
+              <a:t>Execute the ‘open </a:t>
+            </a:r>
+            <a:r>
+              <a:rPr lang="en-US" dirty="0" smtClean="0"/>
+              <a:t>file’ option in the menu </a:t>
+            </a:r>
+            <a:r>
+              <a:rPr lang="en-US" dirty="0" smtClean="0"/>
+              <a:t>to observe whether a certain patient’s </a:t>
+            </a:r>
+            <a:r>
+              <a:rPr lang="en-US" dirty="0" smtClean="0"/>
+              <a:t>file can be accessed and displayed through the program.</a:t>
             </a:r>
             <a:endParaRPr lang="en-CA" dirty="0"/>
           </a:p>
@@ -4341,12 +4609,21 @@
             </a:r>
             <a:r>
               <a:rPr lang="en-US" dirty="0"/>
-              <a:t>, Checking the robustness of the login system by entering numerous iterations and combinations of usernames and passwords to expose any errors</a:t>
+              <a:t>, </a:t>
             </a:r>
             <a:r>
               <a:rPr lang="en-US" dirty="0" smtClean="0"/>
-              <a:t>.</a:t>
-            </a:r>
+              <a:t>Entering numerous </a:t>
+            </a:r>
+            <a:r>
+              <a:rPr lang="en-US" dirty="0"/>
+              <a:t>iterations and combinations of usernames and passwords to </a:t>
+            </a:r>
+            <a:r>
+              <a:rPr lang="en-US" dirty="0" smtClean="0"/>
+              <a:t>evaluate the robustness of the welcome/login system.</a:t>
+            </a:r>
+            <a:endParaRPr lang="en-US" dirty="0" smtClean="0"/>
           </a:p>
           <a:p>
             <a:pPr>
@@ -4371,8 +4648,17 @@
             </a:r>
             <a:r>
               <a:rPr lang="en-US" dirty="0" smtClean="0"/>
-              <a:t>, Iteratively adding multiple events to inspect overflow handling, and removing events to inspect robustness of implementation.</a:t>
-            </a:r>
+              <a:t>, Iteratively adding multiple events to inspect overflow handling, and removing events to </a:t>
+            </a:r>
+            <a:r>
+              <a:rPr lang="en-US" dirty="0" smtClean="0"/>
+              <a:t>verify the functionality of the use case</a:t>
+            </a:r>
+            <a:r>
+              <a:rPr lang="en-US" dirty="0" smtClean="0"/>
+              <a:t>.</a:t>
+            </a:r>
+            <a:endParaRPr lang="en-US" dirty="0" smtClean="0"/>
           </a:p>
           <a:p>
             <a:pPr>
@@ -4421,6 +4707,9 @@
   <p:clrMapOvr>
     <a:masterClrMapping/>
   </p:clrMapOvr>
+  <p:transition spd="slow">
+    <p:push dir="u"/>
+  </p:transition>
   <p:timing>
     <p:tnLst>
       <p:par>
@@ -4458,7 +4747,12 @@
             <p:ph type="title"/>
           </p:nvPr>
         </p:nvSpPr>
-        <p:spPr/>
+        <p:spPr>
+          <a:xfrm>
+            <a:off x="1024129" y="585216"/>
+            <a:ext cx="9720072" cy="1499616"/>
+          </a:xfrm>
+        </p:spPr>
         <p:txBody>
           <a:bodyPr/>
           <a:lstStyle/>
@@ -4483,13 +4777,13 @@
         </p:nvSpPr>
         <p:spPr>
           <a:xfrm>
-            <a:off x="1024128" y="1931831"/>
-            <a:ext cx="9720071" cy="4572000"/>
+            <a:off x="1024129" y="1931831"/>
+            <a:ext cx="10289866" cy="4741924"/>
           </a:xfrm>
         </p:spPr>
         <p:txBody>
           <a:bodyPr>
-            <a:normAutofit lnSpcReduction="10000"/>
+            <a:normAutofit/>
           </a:bodyPr>
           <a:lstStyle/>
           <a:p>
@@ -4507,7 +4801,23 @@
             </a:r>
             <a:r>
               <a:rPr lang="en-US" dirty="0"/>
-              <a:t>, evaluating the validity of the data in the log file by inspecting the corresponding values for each Vital Sign and also to verify that the patient information and events have been properly recorded and logged.</a:t>
+              <a:t>, </a:t>
+            </a:r>
+            <a:r>
+              <a:rPr lang="en-US" dirty="0" smtClean="0"/>
+              <a:t>inspecting </a:t>
+            </a:r>
+            <a:r>
+              <a:rPr lang="en-US" dirty="0"/>
+              <a:t>the corresponding values for each Vital </a:t>
+            </a:r>
+            <a:r>
+              <a:rPr lang="en-US" dirty="0" smtClean="0"/>
+              <a:t>Sign in the log and application, also verify the patient’s </a:t>
+            </a:r>
+            <a:r>
+              <a:rPr lang="en-US" dirty="0"/>
+              <a:t>information and events have been properly recorded and logged.</a:t>
             </a:r>
           </a:p>
           <a:p>
@@ -4517,11 +4827,15 @@
             </a:pPr>
             <a:r>
               <a:rPr lang="en-US" b="1" dirty="0"/>
-              <a:t> UC #10: Display Warnings/Alerts, </a:t>
-            </a:r>
-            <a:r>
-              <a:rPr lang="en-US" dirty="0"/>
-              <a:t>Tested the structure and robustness of the warning system by simulating multiple cases, and changing the threshold values to see how the application/graphs responds.</a:t>
+              <a:t> UC #10: Display Warnings/Alerts</a:t>
+            </a:r>
+            <a:r>
+              <a:rPr lang="en-US" b="1" dirty="0" smtClean="0"/>
+              <a:t>, </a:t>
+            </a:r>
+            <a:r>
+              <a:rPr lang="en-US" dirty="0" smtClean="0"/>
+              <a:t>Exhaustively testing the simulation controls by checking the validity of the effects of the simulations (if any), and carefully observing how the program responds.</a:t>
             </a:r>
           </a:p>
           <a:p>
@@ -4531,7 +4845,15 @@
             </a:pPr>
             <a:r>
               <a:rPr lang="en-US" b="1" dirty="0"/>
-              <a:t> UC #11: System Start-up and Re-Initialization Sequence, </a:t>
+              <a:t> </a:t>
+            </a:r>
+            <a:r>
+              <a:rPr lang="en-US" b="1" dirty="0" smtClean="0"/>
+              <a:t>UC </a:t>
+            </a:r>
+            <a:r>
+              <a:rPr lang="en-US" b="1" dirty="0"/>
+              <a:t>#11: System Start-up and Re-Initialization Sequence, </a:t>
             </a:r>
             <a:r>
               <a:rPr lang="en-US" dirty="0"/>
@@ -4548,8 +4870,12 @@
               <a:buChar char="-"/>
             </a:pPr>
             <a:r>
+              <a:rPr lang="en-US" b="1" dirty="0" smtClean="0"/>
+              <a:t> UC </a:t>
+            </a:r>
+            <a:r>
               <a:rPr lang="en-US" b="1" dirty="0"/>
-              <a:t>UC #12: Modifying Patient Warning/Alarm </a:t>
+              <a:t>#12: Modifying Patient Warning/Alarm </a:t>
             </a:r>
             <a:r>
               <a:rPr lang="en-US" b="1" dirty="0" smtClean="0"/>
@@ -4557,15 +4883,7 @@
             </a:r>
             <a:r>
               <a:rPr lang="en-US" dirty="0" smtClean="0"/>
-              <a:t>by iteration; modifying the threshold values and observing if the program adequately adapts the new thresholds and displays </a:t>
-            </a:r>
-            <a:r>
-              <a:rPr lang="en-US" smtClean="0"/>
-              <a:t>warnings if the </a:t>
-            </a:r>
-            <a:r>
-              <a:rPr lang="en-US" dirty="0" smtClean="0"/>
-              <a:t>new thresholds have been exceeded.</a:t>
+              <a:t>by iteration; modifying the threshold values and observing if the program adequately adapts the new thresholds and displays warnings if the new thresholds have been exceeded.</a:t>
             </a:r>
             <a:endParaRPr lang="en-US" dirty="0"/>
           </a:p>
@@ -4584,6 +4902,9 @@
   <p:clrMapOvr>
     <a:masterClrMapping/>
   </p:clrMapOvr>
+  <p:transition spd="slow">
+    <p:push dir="u"/>
+  </p:transition>
   <p:timing>
     <p:tnLst>
       <p:par>
